--- a/第四章 MapReduce分布式计算框架.pptx
+++ b/第四章 MapReduce分布式计算框架.pptx
@@ -5,13 +5,14 @@
     <p:sldMasterId id="2147483648" r:id="rId1"/>
   </p:sldMasterIdLst>
   <p:notesMasterIdLst>
-    <p:notesMasterId r:id="rId6"/>
+    <p:notesMasterId r:id="rId7"/>
   </p:notesMasterIdLst>
   <p:sldIdLst>
     <p:sldId id="256" r:id="rId2"/>
     <p:sldId id="257" r:id="rId3"/>
     <p:sldId id="258" r:id="rId4"/>
     <p:sldId id="259" r:id="rId5"/>
+    <p:sldId id="260" r:id="rId6"/>
   </p:sldIdLst>
   <p:sldSz cx="12192000" cy="6858000"/>
   <p:notesSz cx="6858000" cy="9144000"/>
@@ -200,7 +201,7 @@
           <a:p>
             <a:fld id="{EBA7462B-154F-E647-9BF2-E8B82EB7C5D0}" type="datetimeFigureOut">
               <a:rPr kumimoji="1" lang="zh-CN" altLang="en-US" smtClean="0"/>
-              <a:t>2019/9/7</a:t>
+              <a:t>2019/12/8</a:t>
             </a:fld>
             <a:endParaRPr kumimoji="1" lang="zh-CN" altLang="en-US"/>
           </a:p>
@@ -614,7 +615,7 @@
           <a:p>
             <a:fld id="{66712E2F-D156-BE48-842B-9FD32FE71F0F}" type="datetimeFigureOut">
               <a:rPr kumimoji="1" lang="zh-CN" altLang="en-US" smtClean="0"/>
-              <a:t>2019/9/7</a:t>
+              <a:t>2019/12/8</a:t>
             </a:fld>
             <a:endParaRPr kumimoji="1" lang="zh-CN" altLang="en-US"/>
           </a:p>
@@ -812,7 +813,7 @@
           <a:p>
             <a:fld id="{66712E2F-D156-BE48-842B-9FD32FE71F0F}" type="datetimeFigureOut">
               <a:rPr kumimoji="1" lang="zh-CN" altLang="en-US" smtClean="0"/>
-              <a:t>2019/9/7</a:t>
+              <a:t>2019/12/8</a:t>
             </a:fld>
             <a:endParaRPr kumimoji="1" lang="zh-CN" altLang="en-US"/>
           </a:p>
@@ -1020,7 +1021,7 @@
           <a:p>
             <a:fld id="{66712E2F-D156-BE48-842B-9FD32FE71F0F}" type="datetimeFigureOut">
               <a:rPr kumimoji="1" lang="zh-CN" altLang="en-US" smtClean="0"/>
-              <a:t>2019/9/7</a:t>
+              <a:t>2019/12/8</a:t>
             </a:fld>
             <a:endParaRPr kumimoji="1" lang="zh-CN" altLang="en-US"/>
           </a:p>
@@ -1218,7 +1219,7 @@
           <a:p>
             <a:fld id="{66712E2F-D156-BE48-842B-9FD32FE71F0F}" type="datetimeFigureOut">
               <a:rPr kumimoji="1" lang="zh-CN" altLang="en-US" smtClean="0"/>
-              <a:t>2019/9/7</a:t>
+              <a:t>2019/12/8</a:t>
             </a:fld>
             <a:endParaRPr kumimoji="1" lang="zh-CN" altLang="en-US"/>
           </a:p>
@@ -1493,7 +1494,7 @@
           <a:p>
             <a:fld id="{66712E2F-D156-BE48-842B-9FD32FE71F0F}" type="datetimeFigureOut">
               <a:rPr kumimoji="1" lang="zh-CN" altLang="en-US" smtClean="0"/>
-              <a:t>2019/9/7</a:t>
+              <a:t>2019/12/8</a:t>
             </a:fld>
             <a:endParaRPr kumimoji="1" lang="zh-CN" altLang="en-US"/>
           </a:p>
@@ -1758,7 +1759,7 @@
           <a:p>
             <a:fld id="{66712E2F-D156-BE48-842B-9FD32FE71F0F}" type="datetimeFigureOut">
               <a:rPr kumimoji="1" lang="zh-CN" altLang="en-US" smtClean="0"/>
-              <a:t>2019/9/7</a:t>
+              <a:t>2019/12/8</a:t>
             </a:fld>
             <a:endParaRPr kumimoji="1" lang="zh-CN" altLang="en-US"/>
           </a:p>
@@ -2170,7 +2171,7 @@
           <a:p>
             <a:fld id="{66712E2F-D156-BE48-842B-9FD32FE71F0F}" type="datetimeFigureOut">
               <a:rPr kumimoji="1" lang="zh-CN" altLang="en-US" smtClean="0"/>
-              <a:t>2019/9/7</a:t>
+              <a:t>2019/12/8</a:t>
             </a:fld>
             <a:endParaRPr kumimoji="1" lang="zh-CN" altLang="en-US"/>
           </a:p>
@@ -2311,7 +2312,7 @@
           <a:p>
             <a:fld id="{66712E2F-D156-BE48-842B-9FD32FE71F0F}" type="datetimeFigureOut">
               <a:rPr kumimoji="1" lang="zh-CN" altLang="en-US" smtClean="0"/>
-              <a:t>2019/9/7</a:t>
+              <a:t>2019/12/8</a:t>
             </a:fld>
             <a:endParaRPr kumimoji="1" lang="zh-CN" altLang="en-US"/>
           </a:p>
@@ -2424,7 +2425,7 @@
           <a:p>
             <a:fld id="{66712E2F-D156-BE48-842B-9FD32FE71F0F}" type="datetimeFigureOut">
               <a:rPr kumimoji="1" lang="zh-CN" altLang="en-US" smtClean="0"/>
-              <a:t>2019/9/7</a:t>
+              <a:t>2019/12/8</a:t>
             </a:fld>
             <a:endParaRPr kumimoji="1" lang="zh-CN" altLang="en-US"/>
           </a:p>
@@ -2735,7 +2736,7 @@
           <a:p>
             <a:fld id="{66712E2F-D156-BE48-842B-9FD32FE71F0F}" type="datetimeFigureOut">
               <a:rPr kumimoji="1" lang="zh-CN" altLang="en-US" smtClean="0"/>
-              <a:t>2019/9/7</a:t>
+              <a:t>2019/12/8</a:t>
             </a:fld>
             <a:endParaRPr kumimoji="1" lang="zh-CN" altLang="en-US"/>
           </a:p>
@@ -3023,7 +3024,7 @@
           <a:p>
             <a:fld id="{66712E2F-D156-BE48-842B-9FD32FE71F0F}" type="datetimeFigureOut">
               <a:rPr kumimoji="1" lang="zh-CN" altLang="en-US" smtClean="0"/>
-              <a:t>2019/9/7</a:t>
+              <a:t>2019/12/8</a:t>
             </a:fld>
             <a:endParaRPr kumimoji="1" lang="zh-CN" altLang="en-US"/>
           </a:p>
@@ -3264,7 +3265,7 @@
           <a:p>
             <a:fld id="{66712E2F-D156-BE48-842B-9FD32FE71F0F}" type="datetimeFigureOut">
               <a:rPr kumimoji="1" lang="zh-CN" altLang="en-US" smtClean="0"/>
-              <a:t>2019/9/7</a:t>
+              <a:t>2019/12/8</a:t>
             </a:fld>
             <a:endParaRPr kumimoji="1" lang="zh-CN" altLang="en-US"/>
           </a:p>
@@ -4112,6 +4113,116 @@
     <p:extLst>
       <p:ext uri="{BB962C8B-B14F-4D97-AF65-F5344CB8AC3E}">
         <p14:creationId xmlns:p14="http://schemas.microsoft.com/office/powerpoint/2010/main" val="1230941428"/>
+      </p:ext>
+    </p:extLst>
+  </p:cSld>
+  <p:clrMapOvr>
+    <a:masterClrMapping/>
+  </p:clrMapOvr>
+</p:sld>
+</file>
+
+<file path=ppt/slides/slide5.xml><?xml version="1.0" encoding="utf-8"?>
+<p:sld xmlns:a="http://schemas.openxmlformats.org/drawingml/2006/main" xmlns:r="http://schemas.openxmlformats.org/officeDocument/2006/relationships" xmlns:p="http://schemas.openxmlformats.org/presentationml/2006/main">
+  <p:cSld>
+    <p:spTree>
+      <p:nvGrpSpPr>
+        <p:cNvPr id="1" name=""/>
+        <p:cNvGrpSpPr/>
+        <p:nvPr/>
+      </p:nvGrpSpPr>
+      <p:grpSpPr>
+        <a:xfrm>
+          <a:off x="0" y="0"/>
+          <a:ext cx="0" cy="0"/>
+          <a:chOff x="0" y="0"/>
+          <a:chExt cx="0" cy="0"/>
+        </a:xfrm>
+      </p:grpSpPr>
+      <p:sp>
+        <p:nvSpPr>
+          <p:cNvPr id="2" name="标题 1">
+            <a:extLst>
+              <a:ext uri="{FF2B5EF4-FFF2-40B4-BE49-F238E27FC236}">
+                <a16:creationId xmlns:a16="http://schemas.microsoft.com/office/drawing/2014/main" id="{26AF4D89-B9D3-124E-9AB9-7C7EA153FBA4}"/>
+              </a:ext>
+            </a:extLst>
+          </p:cNvPr>
+          <p:cNvSpPr>
+            <a:spLocks noGrp="1"/>
+          </p:cNvSpPr>
+          <p:nvPr>
+            <p:ph type="title"/>
+          </p:nvPr>
+        </p:nvSpPr>
+        <p:spPr/>
+        <p:txBody>
+          <a:bodyPr/>
+          <a:lstStyle/>
+          <a:p>
+            <a:endParaRPr kumimoji="1" lang="zh-CN" altLang="en-US"/>
+          </a:p>
+        </p:txBody>
+      </p:sp>
+      <p:sp>
+        <p:nvSpPr>
+          <p:cNvPr id="3" name="内容占位符 2">
+            <a:extLst>
+              <a:ext uri="{FF2B5EF4-FFF2-40B4-BE49-F238E27FC236}">
+                <a16:creationId xmlns:a16="http://schemas.microsoft.com/office/drawing/2014/main" id="{ADEF7569-D0C5-134A-AAC8-B108EFDB6C70}"/>
+              </a:ext>
+            </a:extLst>
+          </p:cNvPr>
+          <p:cNvSpPr>
+            <a:spLocks noGrp="1"/>
+          </p:cNvSpPr>
+          <p:nvPr>
+            <p:ph idx="1"/>
+          </p:nvPr>
+        </p:nvSpPr>
+        <p:spPr/>
+        <p:txBody>
+          <a:bodyPr/>
+          <a:lstStyle/>
+          <a:p>
+            <a:endParaRPr kumimoji="1" lang="zh-CN" altLang="en-US"/>
+          </a:p>
+        </p:txBody>
+      </p:sp>
+      <p:pic>
+        <p:nvPicPr>
+          <p:cNvPr id="4" name="图片 3">
+            <a:extLst>
+              <a:ext uri="{FF2B5EF4-FFF2-40B4-BE49-F238E27FC236}">
+                <a16:creationId xmlns:a16="http://schemas.microsoft.com/office/drawing/2014/main" id="{FDDC5895-6F7A-9F4D-A9BB-DDC822F5BE85}"/>
+              </a:ext>
+            </a:extLst>
+          </p:cNvPr>
+          <p:cNvPicPr>
+            <a:picLocks noChangeAspect="1"/>
+          </p:cNvPicPr>
+          <p:nvPr/>
+        </p:nvPicPr>
+        <p:blipFill>
+          <a:blip r:embed="rId2"/>
+          <a:stretch>
+            <a:fillRect/>
+          </a:stretch>
+        </p:blipFill>
+        <p:spPr>
+          <a:xfrm>
+            <a:off x="2127250" y="488950"/>
+            <a:ext cx="7937500" cy="5880100"/>
+          </a:xfrm>
+          <a:prstGeom prst="rect">
+            <a:avLst/>
+          </a:prstGeom>
+        </p:spPr>
+      </p:pic>
+    </p:spTree>
+    <p:extLst>
+      <p:ext uri="{BB962C8B-B14F-4D97-AF65-F5344CB8AC3E}">
+        <p14:creationId xmlns:p14="http://schemas.microsoft.com/office/powerpoint/2010/main" val="4130870232"/>
       </p:ext>
     </p:extLst>
   </p:cSld>
